--- a/data/2018-19/prg1/cv13/prg1_cv13.pptx
+++ b/data/2018-19/prg1/cv13/prg1_cv13.pptx
@@ -107,6 +107,11 @@
       </a:defRPr>
     </a:lvl9pPr>
   </p:defaultTextStyle>
+  <p:extLst>
+    <p:ext uri="{EFAFB233-063F-42B5-8137-9DF3F51BA10A}">
+      <p15:sldGuideLst xmlns:p15="http://schemas.microsoft.com/office/powerpoint/2012/main"/>
+    </p:ext>
+  </p:extLst>
 </p:presentation>
 </file>
 
@@ -299,7 +304,7 @@
             <a:fld id="{B61BEF0D-F0BB-DE4B-95CE-6DB70DBA9567}" type="datetimeFigureOut">
               <a:rPr lang="en-US" dirty="0"/>
               <a:pPr/>
-              <a:t>1/3/2019</a:t>
+              <a:t>1/4/2019</a:t>
             </a:fld>
             <a:endParaRPr lang="en-US" dirty="0"/>
           </a:p>
@@ -634,7 +639,7 @@
             <a:fld id="{B61BEF0D-F0BB-DE4B-95CE-6DB70DBA9567}" type="datetimeFigureOut">
               <a:rPr lang="en-US" dirty="0"/>
               <a:pPr/>
-              <a:t>1/3/2019</a:t>
+              <a:t>1/4/2019</a:t>
             </a:fld>
             <a:endParaRPr lang="en-US" dirty="0"/>
           </a:p>
@@ -1032,7 +1037,7 @@
             <a:fld id="{B61BEF0D-F0BB-DE4B-95CE-6DB70DBA9567}" type="datetimeFigureOut">
               <a:rPr lang="en-US" dirty="0"/>
               <a:pPr/>
-              <a:t>1/3/2019</a:t>
+              <a:t>1/4/2019</a:t>
             </a:fld>
             <a:endParaRPr lang="en-US" dirty="0"/>
           </a:p>
@@ -1365,7 +1370,7 @@
             <a:fld id="{B61BEF0D-F0BB-DE4B-95CE-6DB70DBA9567}" type="datetimeFigureOut">
               <a:rPr lang="en-US" dirty="0"/>
               <a:pPr/>
-              <a:t>1/3/2019</a:t>
+              <a:t>1/4/2019</a:t>
             </a:fld>
             <a:endParaRPr lang="en-US" dirty="0"/>
           </a:p>
@@ -1682,7 +1687,7 @@
             <a:fld id="{B61BEF0D-F0BB-DE4B-95CE-6DB70DBA9567}" type="datetimeFigureOut">
               <a:rPr lang="en-US" dirty="0"/>
               <a:pPr/>
-              <a:t>1/3/2019</a:t>
+              <a:t>1/4/2019</a:t>
             </a:fld>
             <a:endParaRPr lang="en-US" dirty="0"/>
           </a:p>
@@ -2075,7 +2080,7 @@
             <a:fld id="{B61BEF0D-F0BB-DE4B-95CE-6DB70DBA9567}" type="datetimeFigureOut">
               <a:rPr lang="en-US" dirty="0"/>
               <a:pPr/>
-              <a:t>1/3/2019</a:t>
+              <a:t>1/4/2019</a:t>
             </a:fld>
             <a:endParaRPr lang="en-US" dirty="0"/>
           </a:p>
@@ -2329,7 +2334,7 @@
             <a:fld id="{B61BEF0D-F0BB-DE4B-95CE-6DB70DBA9567}" type="datetimeFigureOut">
               <a:rPr lang="en-US" dirty="0"/>
               <a:pPr/>
-              <a:t>1/3/2019</a:t>
+              <a:t>1/4/2019</a:t>
             </a:fld>
             <a:endParaRPr lang="en-US" dirty="0"/>
           </a:p>
@@ -2588,7 +2593,7 @@
             <a:fld id="{B61BEF0D-F0BB-DE4B-95CE-6DB70DBA9567}" type="datetimeFigureOut">
               <a:rPr lang="en-US" dirty="0"/>
               <a:pPr/>
-              <a:t>1/3/2019</a:t>
+              <a:t>1/4/2019</a:t>
             </a:fld>
             <a:endParaRPr lang="en-US" dirty="0"/>
           </a:p>
@@ -2847,7 +2852,7 @@
             <a:fld id="{B61BEF0D-F0BB-DE4B-95CE-6DB70DBA9567}" type="datetimeFigureOut">
               <a:rPr lang="en-US" dirty="0"/>
               <a:pPr/>
-              <a:t>1/3/2019</a:t>
+              <a:t>1/4/2019</a:t>
             </a:fld>
             <a:endParaRPr lang="en-US" dirty="0"/>
           </a:p>
@@ -3173,7 +3178,7 @@
             <a:fld id="{B61BEF0D-F0BB-DE4B-95CE-6DB70DBA9567}" type="datetimeFigureOut">
               <a:rPr lang="en-US" dirty="0"/>
               <a:pPr/>
-              <a:t>1/3/2019</a:t>
+              <a:t>1/4/2019</a:t>
             </a:fld>
             <a:endParaRPr lang="en-US" dirty="0"/>
           </a:p>
@@ -3493,7 +3498,7 @@
             <a:fld id="{B61BEF0D-F0BB-DE4B-95CE-6DB70DBA9567}" type="datetimeFigureOut">
               <a:rPr lang="en-US" dirty="0"/>
               <a:pPr/>
-              <a:t>1/3/2019</a:t>
+              <a:t>1/4/2019</a:t>
             </a:fld>
             <a:endParaRPr lang="en-US" dirty="0"/>
           </a:p>
@@ -3947,7 +3952,7 @@
             <a:fld id="{B61BEF0D-F0BB-DE4B-95CE-6DB70DBA9567}" type="datetimeFigureOut">
               <a:rPr lang="en-US" dirty="0"/>
               <a:pPr/>
-              <a:t>1/3/2019</a:t>
+              <a:t>1/4/2019</a:t>
             </a:fld>
             <a:endParaRPr lang="en-US" dirty="0"/>
           </a:p>
@@ -4149,7 +4154,7 @@
             <a:fld id="{B61BEF0D-F0BB-DE4B-95CE-6DB70DBA9567}" type="datetimeFigureOut">
               <a:rPr lang="en-US" dirty="0"/>
               <a:pPr/>
-              <a:t>1/3/2019</a:t>
+              <a:t>1/4/2019</a:t>
             </a:fld>
             <a:endParaRPr lang="en-US" dirty="0"/>
           </a:p>
@@ -4323,7 +4328,7 @@
             <a:fld id="{B61BEF0D-F0BB-DE4B-95CE-6DB70DBA9567}" type="datetimeFigureOut">
               <a:rPr lang="en-US" dirty="0"/>
               <a:pPr/>
-              <a:t>1/3/2019</a:t>
+              <a:t>1/4/2019</a:t>
             </a:fld>
             <a:endParaRPr lang="en-US" dirty="0"/>
           </a:p>
@@ -4653,7 +4658,7 @@
             <a:fld id="{B61BEF0D-F0BB-DE4B-95CE-6DB70DBA9567}" type="datetimeFigureOut">
               <a:rPr lang="en-US" dirty="0"/>
               <a:pPr/>
-              <a:t>1/3/2019</a:t>
+              <a:t>1/4/2019</a:t>
             </a:fld>
             <a:endParaRPr lang="en-US" dirty="0"/>
           </a:p>
@@ -4995,7 +5000,7 @@
             <a:fld id="{B61BEF0D-F0BB-DE4B-95CE-6DB70DBA9567}" type="datetimeFigureOut">
               <a:rPr lang="en-US" dirty="0"/>
               <a:pPr/>
-              <a:t>1/3/2019</a:t>
+              <a:t>1/4/2019</a:t>
             </a:fld>
             <a:endParaRPr lang="en-US" dirty="0"/>
           </a:p>
@@ -7109,7 +7114,7 @@
             <a:fld id="{B61BEF0D-F0BB-DE4B-95CE-6DB70DBA9567}" type="datetimeFigureOut">
               <a:rPr lang="en-US" dirty="0"/>
               <a:pPr/>
-              <a:t>1/3/2019</a:t>
+              <a:t>1/4/2019</a:t>
             </a:fld>
             <a:endParaRPr lang="en-US" dirty="0"/>
           </a:p>
@@ -7995,8 +8000,32 @@
               <a:t>kte</a:t>
             </a:r>
             <a:r>
+              <a:rPr lang="cs-CZ" smtClean="0"/>
+              <a:t>ré </a:t>
+            </a:r>
+            <a:r>
               <a:rPr lang="cs-CZ" dirty="0" smtClean="0"/>
-              <a:t>rá otočí zadaný spojový seznam čísel (integerů) a zároveň při tom smaže sudá čísla, potom vypíše seznam a smaže zbylý seznam </a:t>
+              <a:t>otočí zadaný </a:t>
+            </a:r>
+            <a:r>
+              <a:rPr lang="cs-CZ" dirty="0" smtClean="0"/>
+              <a:t>spojový</a:t>
+            </a:r>
+            <a:r>
+              <a:rPr lang="en-US" dirty="0" smtClean="0"/>
+              <a:t> </a:t>
+            </a:r>
+            <a:r>
+              <a:rPr lang="en-US" dirty="0" err="1" smtClean="0"/>
+              <a:t>jednosm</a:t>
+            </a:r>
+            <a:r>
+              <a:rPr lang="cs-CZ" dirty="0" smtClean="0"/>
+              <a:t>ěrný </a:t>
+            </a:r>
+            <a:r>
+              <a:rPr lang="cs-CZ" dirty="0" smtClean="0"/>
+              <a:t>seznam čísel (integerů) a zároveň při tom smaže sudá čísla, potom vypíše seznam a smaže zbylý seznam </a:t>
             </a:r>
           </a:p>
           <a:p>
